--- a/Cardekho.pptx
+++ b/Cardekho.pptx
@@ -5908,7 +5908,19 @@
           <a:p>
             <a:r>
               <a:rPr lang="en-GB" dirty="0"/>
-              <a:t>The primary objective of is project is to create a data science solution for predicting used car prices accurately by </a:t>
+              <a:t>The primary objective </a:t>
+            </a:r>
+            <a:r>
+              <a:rPr lang="en-GB"/>
+              <a:t>of </a:t>
+            </a:r>
+            <a:r>
+              <a:rPr lang="en-GB" smtClean="0"/>
+              <a:t>this </a:t>
+            </a:r>
+            <a:r>
+              <a:rPr lang="en-GB" dirty="0"/>
+              <a:t>project is to create a data science solution for predicting used car prices accurately by </a:t>
             </a:r>
             <a:r>
               <a:rPr lang="en-GB" dirty="0" err="1"/>
@@ -6004,11 +6016,7 @@
           <a:p>
             <a:r>
               <a:rPr lang="en-IN" dirty="0" smtClean="0"/>
-              <a:t>Data </a:t>
-            </a:r>
-            <a:r>
-              <a:rPr lang="en-IN" dirty="0" smtClean="0"/>
-              <a:t>Cleansing and </a:t>
+              <a:t>Data Cleansing and </a:t>
             </a:r>
             <a:r>
               <a:rPr lang="en-IN" dirty="0" err="1" smtClean="0"/>
@@ -6019,11 +6027,7 @@
           <a:p>
             <a:r>
               <a:rPr lang="en-IN" dirty="0" smtClean="0"/>
-              <a:t>Exploratory Data </a:t>
-            </a:r>
-            <a:r>
-              <a:rPr lang="en-IN" dirty="0" smtClean="0"/>
-              <a:t>Analysis</a:t>
+              <a:t>Exploratory Data Analysis</a:t>
             </a:r>
           </a:p>
           <a:p>
@@ -6031,7 +6035,6 @@
               <a:rPr lang="en-IN" dirty="0" smtClean="0"/>
               <a:t>Bivariate analysis</a:t>
             </a:r>
-            <a:endParaRPr lang="en-IN" dirty="0" smtClean="0"/>
           </a:p>
           <a:p>
             <a:r>
@@ -6042,7 +6045,6 @@
               <a:rPr lang="en-IN" dirty="0" smtClean="0"/>
               <a:t> learn</a:t>
             </a:r>
-            <a:endParaRPr lang="en-IN" dirty="0" smtClean="0"/>
           </a:p>
         </p:txBody>
       </p:sp>
@@ -6116,11 +6118,7 @@
           <a:p>
             <a:r>
               <a:rPr lang="en-IN" dirty="0" smtClean="0"/>
-              <a:t>Merge the different datasets into a single dataset</a:t>
-            </a:r>
-            <a:r>
-              <a:rPr lang="en-IN" dirty="0" smtClean="0"/>
-              <a:t>.</a:t>
+              <a:t>Merge the different datasets into a single dataset.</a:t>
             </a:r>
           </a:p>
           <a:p>
@@ -6134,16 +6132,11 @@
               <a:rPr lang="en-IN" dirty="0" smtClean="0"/>
               <a:t>Convert the data into suitable datatype</a:t>
             </a:r>
-            <a:endParaRPr lang="en-IN" dirty="0" smtClean="0"/>
           </a:p>
           <a:p>
             <a:r>
               <a:rPr lang="en-IN" dirty="0" smtClean="0"/>
-              <a:t>Handle missing values and </a:t>
-            </a:r>
-            <a:r>
-              <a:rPr lang="en-IN" dirty="0" smtClean="0"/>
-              <a:t>outliers</a:t>
+              <a:t>Handle missing values and outliers</a:t>
             </a:r>
           </a:p>
           <a:p>
@@ -6157,7 +6150,6 @@
               <a:rPr lang="en-IN" dirty="0" smtClean="0"/>
               <a:t>Build ML model to predict selling price of car</a:t>
             </a:r>
-            <a:endParaRPr lang="en-IN" dirty="0" smtClean="0"/>
           </a:p>
           <a:p>
             <a:endParaRPr lang="en-IN" dirty="0"/>
@@ -6240,11 +6232,7 @@
           <a:p>
             <a:r>
               <a:rPr lang="en-GB" dirty="0" smtClean="0"/>
-              <a:t>If Year of Model of Car(age) is too old, then </a:t>
-            </a:r>
-            <a:r>
-              <a:rPr lang="en-GB" dirty="0" smtClean="0"/>
-              <a:t>its selling price is also low and </a:t>
+              <a:t>If Year of Model of Car(age) is too old, then its selling price is also low and </a:t>
             </a:r>
             <a:endParaRPr lang="en-GB" dirty="0"/>
           </a:p>
@@ -6523,11 +6511,7 @@
           <a:p>
             <a:r>
               <a:rPr lang="en-IN" dirty="0" smtClean="0"/>
-              <a:t>Random Forest Regression with Hyper parameter tunin</a:t>
-            </a:r>
-            <a:r>
-              <a:rPr lang="en-IN" dirty="0" smtClean="0"/>
-              <a:t>g (</a:t>
+              <a:t>Random Forest Regression with Hyper parameter tuning (</a:t>
             </a:r>
             <a:r>
               <a:rPr lang="en-IN" dirty="0" err="1" smtClean="0"/>
@@ -6694,11 +6678,7 @@
           <a:p>
             <a:r>
               <a:rPr lang="en-IN" dirty="0" smtClean="0"/>
-              <a:t>We gained insights from the dataset by performing data cleaning, processing and </a:t>
-            </a:r>
-            <a:r>
-              <a:rPr lang="en-IN" dirty="0" smtClean="0"/>
-              <a:t>visualization and built a model to predict selling price of car</a:t>
+              <a:t>We gained insights from the dataset by performing data cleaning, processing and visualization and built a model to predict selling price of car</a:t>
             </a:r>
             <a:endParaRPr lang="en-IN" dirty="0"/>
           </a:p>
